--- a/29 - Joyful, Joyful We Adore Thee.pptx
+++ b/29 - Joyful, Joyful We Adore Thee.pptx
@@ -115,10 +115,6 @@
 </p:presentation>
 </file>
 
-<file path=ppt/revisionInfo.xml><?xml version="1.0" encoding="utf-8"?>
-<p1510:revInfo xmlns:a="http://schemas.openxmlformats.org/drawingml/2006/main" xmlns:r="http://schemas.openxmlformats.org/officeDocument/2006/relationships" xmlns:p1510="http://schemas.microsoft.com/office/powerpoint/2015/10/main"/>
-</file>
-
 <file path=ppt/slideLayouts/slideLayout1.xml><?xml version="1.0" encoding="utf-8"?>
 <p:sldLayout xmlns:a="http://schemas.openxmlformats.org/drawingml/2006/main" xmlns:r="http://schemas.openxmlformats.org/officeDocument/2006/relationships" xmlns:p="http://schemas.openxmlformats.org/presentationml/2006/main" type="title" preserve="1">
   <p:cSld name="Title Slide">
@@ -248,7 +244,7 @@
           <a:p>
             <a:fld id="{32F7251A-AE54-443C-B8FE-5F636E835EBF}" type="datetimeFigureOut">
               <a:rPr lang="en-US" smtClean="0"/>
-              <a:t>10/29/2017</a:t>
+              <a:t>3/22/2020</a:t>
             </a:fld>
             <a:endParaRPr lang="en-US"/>
           </a:p>
@@ -416,7 +412,7 @@
           <a:p>
             <a:fld id="{32F7251A-AE54-443C-B8FE-5F636E835EBF}" type="datetimeFigureOut">
               <a:rPr lang="en-US" smtClean="0"/>
-              <a:t>10/29/2017</a:t>
+              <a:t>3/22/2020</a:t>
             </a:fld>
             <a:endParaRPr lang="en-US"/>
           </a:p>
@@ -594,7 +590,7 @@
           <a:p>
             <a:fld id="{32F7251A-AE54-443C-B8FE-5F636E835EBF}" type="datetimeFigureOut">
               <a:rPr lang="en-US" smtClean="0"/>
-              <a:t>10/29/2017</a:t>
+              <a:t>3/22/2020</a:t>
             </a:fld>
             <a:endParaRPr lang="en-US"/>
           </a:p>
@@ -762,7 +758,7 @@
           <a:p>
             <a:fld id="{32F7251A-AE54-443C-B8FE-5F636E835EBF}" type="datetimeFigureOut">
               <a:rPr lang="en-US" smtClean="0"/>
-              <a:t>10/29/2017</a:t>
+              <a:t>3/22/2020</a:t>
             </a:fld>
             <a:endParaRPr lang="en-US"/>
           </a:p>
@@ -1007,7 +1003,7 @@
           <a:p>
             <a:fld id="{32F7251A-AE54-443C-B8FE-5F636E835EBF}" type="datetimeFigureOut">
               <a:rPr lang="en-US" smtClean="0"/>
-              <a:t>10/29/2017</a:t>
+              <a:t>3/22/2020</a:t>
             </a:fld>
             <a:endParaRPr lang="en-US"/>
           </a:p>
@@ -1236,7 +1232,7 @@
           <a:p>
             <a:fld id="{32F7251A-AE54-443C-B8FE-5F636E835EBF}" type="datetimeFigureOut">
               <a:rPr lang="en-US" smtClean="0"/>
-              <a:t>10/29/2017</a:t>
+              <a:t>3/22/2020</a:t>
             </a:fld>
             <a:endParaRPr lang="en-US"/>
           </a:p>
@@ -1600,7 +1596,7 @@
           <a:p>
             <a:fld id="{32F7251A-AE54-443C-B8FE-5F636E835EBF}" type="datetimeFigureOut">
               <a:rPr lang="en-US" smtClean="0"/>
-              <a:t>10/29/2017</a:t>
+              <a:t>3/22/2020</a:t>
             </a:fld>
             <a:endParaRPr lang="en-US"/>
           </a:p>
@@ -1717,7 +1713,7 @@
           <a:p>
             <a:fld id="{32F7251A-AE54-443C-B8FE-5F636E835EBF}" type="datetimeFigureOut">
               <a:rPr lang="en-US" smtClean="0"/>
-              <a:t>10/29/2017</a:t>
+              <a:t>3/22/2020</a:t>
             </a:fld>
             <a:endParaRPr lang="en-US"/>
           </a:p>
@@ -1812,7 +1808,7 @@
           <a:p>
             <a:fld id="{32F7251A-AE54-443C-B8FE-5F636E835EBF}" type="datetimeFigureOut">
               <a:rPr lang="en-US" smtClean="0"/>
-              <a:t>10/29/2017</a:t>
+              <a:t>3/22/2020</a:t>
             </a:fld>
             <a:endParaRPr lang="en-US"/>
           </a:p>
@@ -2087,7 +2083,7 @@
           <a:p>
             <a:fld id="{32F7251A-AE54-443C-B8FE-5F636E835EBF}" type="datetimeFigureOut">
               <a:rPr lang="en-US" smtClean="0"/>
-              <a:t>10/29/2017</a:t>
+              <a:t>3/22/2020</a:t>
             </a:fld>
             <a:endParaRPr lang="en-US"/>
           </a:p>
@@ -2339,7 +2335,7 @@
           <a:p>
             <a:fld id="{32F7251A-AE54-443C-B8FE-5F636E835EBF}" type="datetimeFigureOut">
               <a:rPr lang="en-US" smtClean="0"/>
-              <a:t>10/29/2017</a:t>
+              <a:t>3/22/2020</a:t>
             </a:fld>
             <a:endParaRPr lang="en-US"/>
           </a:p>
@@ -2406,7 +2402,9 @@
     <p:bg>
       <p:bgPr>
         <a:solidFill>
-          <a:srgbClr val="333333"/>
+          <a:schemeClr val="bg1">
+            <a:lumMod val="10000"/>
+          </a:schemeClr>
         </a:solidFill>
         <a:effectLst/>
       </p:bgPr>
@@ -2553,7 +2551,7 @@
           <a:p>
             <a:fld id="{32F7251A-AE54-443C-B8FE-5F636E835EBF}" type="datetimeFigureOut">
               <a:rPr lang="en-US" smtClean="0"/>
-              <a:t>10/29/2017</a:t>
+              <a:t>3/22/2020</a:t>
             </a:fld>
             <a:endParaRPr lang="en-US"/>
           </a:p>
@@ -3035,15 +3033,23 @@
           <a:bodyPr wrap="square" rtlCol="0" anchor="ctr">
             <a:spAutoFit/>
           </a:bodyPr>
-          <a:lstStyle/>
-          <a:p>
-            <a:pPr algn="ctr"/>
-            <a:r>
-              <a:rPr lang="en-US" sz="4800" dirty="0">
+          <a:lstStyle>
+            <a:defPPr>
+              <a:defRPr lang="en-US"/>
+            </a:defPPr>
+            <a:lvl1pPr algn="ctr">
+              <a:defRPr sz="3200" u="sng">
                 <a:solidFill>
                   <a:schemeClr val="bg1"/>
                 </a:solidFill>
-              </a:rPr>
+                <a:latin typeface="Assistant SemiBold" panose="00000700000000000000" pitchFamily="2" charset="-79"/>
+                <a:cs typeface="Assistant SemiBold" panose="00000700000000000000" pitchFamily="2" charset="-79"/>
+              </a:defRPr>
+            </a:lvl1pPr>
+          </a:lstStyle>
+          <a:p>
+            <a:r>
+              <a:rPr lang="en-US" dirty="0"/>
               <a:t>“Joyful, Joyful We Adore Thee”</a:t>
             </a:r>
           </a:p>
@@ -3057,8 +3063,8 @@
         </p:nvSpPr>
         <p:spPr>
           <a:xfrm>
-            <a:off x="0" y="282279"/>
-            <a:ext cx="12192000" cy="5078313"/>
+            <a:off x="0" y="791267"/>
+            <a:ext cx="12192000" cy="3075453"/>
           </a:xfrm>
           <a:prstGeom prst="rect">
             <a:avLst/>
@@ -3069,100 +3075,68 @@
           <a:bodyPr wrap="square" rtlCol="0">
             <a:spAutoFit/>
           </a:bodyPr>
-          <a:lstStyle/>
-          <a:p>
-            <a:pPr algn="ctr"/>
-            <a:r>
-              <a:rPr lang="en-US" sz="3600" dirty="0">
+          <a:lstStyle>
+            <a:defPPr>
+              <a:defRPr lang="en-US"/>
+            </a:defPPr>
+            <a:lvl1pPr algn="ctr">
+              <a:defRPr sz="2800" spc="50">
                 <a:solidFill>
                   <a:schemeClr val="bg1"/>
                 </a:solidFill>
-              </a:rPr>
+                <a:latin typeface="Assistant" panose="00000500000000000000" pitchFamily="2" charset="-79"/>
+                <a:cs typeface="Assistant" panose="00000500000000000000" pitchFamily="2" charset="-79"/>
+              </a:defRPr>
+            </a:lvl1pPr>
+          </a:lstStyle>
+          <a:p>
+            <a:r>
+              <a:rPr lang="en-US" dirty="0"/>
               <a:t>Joyful, Joyful, we adore Thee,</a:t>
             </a:r>
           </a:p>
           <a:p>
-            <a:pPr algn="ctr"/>
-            <a:r>
-              <a:rPr lang="en-US" sz="3600" dirty="0">
-                <a:solidFill>
-                  <a:schemeClr val="bg1"/>
-                </a:solidFill>
-              </a:rPr>
+            <a:r>
+              <a:rPr lang="en-US" dirty="0"/>
               <a:t>God of glory, Lord of love;</a:t>
             </a:r>
           </a:p>
           <a:p>
-            <a:pPr algn="ctr"/>
-            <a:r>
-              <a:rPr lang="en-US" sz="3600" dirty="0">
-                <a:solidFill>
-                  <a:schemeClr val="bg1"/>
-                </a:solidFill>
-              </a:rPr>
+            <a:r>
+              <a:rPr lang="en-US" dirty="0"/>
               <a:t>Hearts unfold like flowers before Thee,</a:t>
             </a:r>
           </a:p>
           <a:p>
-            <a:pPr algn="ctr"/>
-            <a:r>
-              <a:rPr lang="en-US" sz="3600" dirty="0">
-                <a:solidFill>
-                  <a:schemeClr val="bg1"/>
-                </a:solidFill>
-              </a:rPr>
+            <a:r>
+              <a:rPr lang="en-US" dirty="0"/>
               <a:t>Hail Thee as the sun above.</a:t>
             </a:r>
           </a:p>
           <a:p>
-            <a:pPr algn="ctr"/>
-            <a:endParaRPr lang="en-US" sz="3600" dirty="0">
-              <a:solidFill>
-                <a:schemeClr val="bg1"/>
-              </a:solidFill>
-            </a:endParaRPr>
-          </a:p>
-          <a:p>
-            <a:pPr algn="ctr"/>
-            <a:r>
-              <a:rPr lang="en-US" sz="3600" dirty="0">
-                <a:solidFill>
-                  <a:schemeClr val="bg1"/>
-                </a:solidFill>
-              </a:rPr>
+            <a:endParaRPr lang="en-US" dirty="0"/>
+          </a:p>
+          <a:p>
+            <a:r>
+              <a:rPr lang="en-US" dirty="0"/>
               <a:t>Melt the clouds of sin and sadness;</a:t>
             </a:r>
           </a:p>
           <a:p>
-            <a:pPr algn="ctr"/>
-            <a:r>
-              <a:rPr lang="en-US" sz="3600" dirty="0">
-                <a:solidFill>
-                  <a:schemeClr val="bg1"/>
-                </a:solidFill>
-              </a:rPr>
+            <a:r>
+              <a:rPr lang="en-US" dirty="0"/>
               <a:t>Drive the dark of doubt away;</a:t>
             </a:r>
           </a:p>
           <a:p>
-            <a:pPr algn="ctr"/>
-            <a:r>
-              <a:rPr lang="en-US" sz="3600" dirty="0">
-                <a:solidFill>
-                  <a:schemeClr val="bg1"/>
-                </a:solidFill>
-              </a:rPr>
+            <a:r>
+              <a:rPr lang="en-US" dirty="0"/>
               <a:t>Giver of immortal gladness,</a:t>
             </a:r>
           </a:p>
           <a:p>
-            <a:pPr algn="ctr"/>
-            <a:r>
-              <a:rPr lang="en-US" sz="3600" dirty="0">
-                <a:solidFill>
-                  <a:schemeClr val="bg1"/>
-                </a:solidFill>
-              </a:rPr>
+            <a:r>
+              <a:rPr lang="en-US" dirty="0"/>
               <a:t>Fill us with the light of day!</a:t>
             </a:r>
           </a:p>
@@ -3275,15 +3249,23 @@
           <a:bodyPr wrap="square" rtlCol="0" anchor="ctr">
             <a:spAutoFit/>
           </a:bodyPr>
-          <a:lstStyle/>
-          <a:p>
-            <a:pPr algn="ctr"/>
-            <a:r>
-              <a:rPr lang="en-US" sz="4800" dirty="0">
+          <a:lstStyle>
+            <a:defPPr>
+              <a:defRPr lang="en-US"/>
+            </a:defPPr>
+            <a:lvl1pPr algn="ctr">
+              <a:defRPr sz="3200" u="sng">
                 <a:solidFill>
                   <a:schemeClr val="bg1"/>
                 </a:solidFill>
-              </a:rPr>
+                <a:latin typeface="Assistant SemiBold" panose="00000700000000000000" pitchFamily="2" charset="-79"/>
+                <a:cs typeface="Assistant SemiBold" panose="00000700000000000000" pitchFamily="2" charset="-79"/>
+              </a:defRPr>
+            </a:lvl1pPr>
+          </a:lstStyle>
+          <a:p>
+            <a:r>
+              <a:rPr lang="en-US" dirty="0"/>
               <a:t>“Joyful, Joyful We Adore Thee”</a:t>
             </a:r>
           </a:p>
@@ -3297,8 +3279,8 @@
         </p:nvSpPr>
         <p:spPr>
           <a:xfrm>
-            <a:off x="0" y="282279"/>
-            <a:ext cx="12192000" cy="5078313"/>
+            <a:off x="0" y="791267"/>
+            <a:ext cx="12192000" cy="3075453"/>
           </a:xfrm>
           <a:prstGeom prst="rect">
             <a:avLst/>
@@ -3309,100 +3291,68 @@
           <a:bodyPr wrap="square" rtlCol="0">
             <a:spAutoFit/>
           </a:bodyPr>
-          <a:lstStyle/>
-          <a:p>
-            <a:pPr algn="ctr"/>
-            <a:r>
-              <a:rPr lang="en-US" sz="3600" dirty="0">
+          <a:lstStyle>
+            <a:defPPr>
+              <a:defRPr lang="en-US"/>
+            </a:defPPr>
+            <a:lvl1pPr algn="ctr">
+              <a:defRPr sz="2800" spc="50">
                 <a:solidFill>
                   <a:schemeClr val="bg1"/>
                 </a:solidFill>
-              </a:rPr>
+                <a:latin typeface="Assistant" panose="00000500000000000000" pitchFamily="2" charset="-79"/>
+                <a:cs typeface="Assistant" panose="00000500000000000000" pitchFamily="2" charset="-79"/>
+              </a:defRPr>
+            </a:lvl1pPr>
+          </a:lstStyle>
+          <a:p>
+            <a:r>
+              <a:rPr lang="en-US" dirty="0"/>
               <a:t>All Thy works with joy surround Thee,</a:t>
             </a:r>
           </a:p>
           <a:p>
-            <a:pPr algn="ctr"/>
-            <a:r>
-              <a:rPr lang="en-US" sz="3600" dirty="0">
-                <a:solidFill>
-                  <a:schemeClr val="bg1"/>
-                </a:solidFill>
-              </a:rPr>
+            <a:r>
+              <a:rPr lang="en-US" dirty="0"/>
               <a:t>Earth and heaven reflect Thy rays,</a:t>
             </a:r>
           </a:p>
           <a:p>
-            <a:pPr algn="ctr"/>
-            <a:r>
-              <a:rPr lang="en-US" sz="3600" dirty="0">
-                <a:solidFill>
-                  <a:schemeClr val="bg1"/>
-                </a:solidFill>
-              </a:rPr>
+            <a:r>
+              <a:rPr lang="en-US" dirty="0"/>
               <a:t>Stars and angels sing around Thee,</a:t>
             </a:r>
           </a:p>
           <a:p>
-            <a:pPr algn="ctr"/>
-            <a:r>
-              <a:rPr lang="en-US" sz="3600" dirty="0">
-                <a:solidFill>
-                  <a:schemeClr val="bg1"/>
-                </a:solidFill>
-              </a:rPr>
+            <a:r>
+              <a:rPr lang="en-US" dirty="0"/>
               <a:t>Center of unbroken praise;</a:t>
             </a:r>
           </a:p>
           <a:p>
-            <a:pPr algn="ctr"/>
-            <a:endParaRPr lang="en-US" sz="3600" dirty="0">
-              <a:solidFill>
-                <a:schemeClr val="bg1"/>
-              </a:solidFill>
-            </a:endParaRPr>
-          </a:p>
-          <a:p>
-            <a:pPr algn="ctr"/>
-            <a:r>
-              <a:rPr lang="en-US" sz="3600" dirty="0">
-                <a:solidFill>
-                  <a:schemeClr val="bg1"/>
-                </a:solidFill>
-              </a:rPr>
+            <a:endParaRPr lang="en-US" dirty="0"/>
+          </a:p>
+          <a:p>
+            <a:r>
+              <a:rPr lang="en-US" dirty="0"/>
               <a:t>Field and forest, vale and mountain,</a:t>
             </a:r>
           </a:p>
           <a:p>
-            <a:pPr algn="ctr"/>
-            <a:r>
-              <a:rPr lang="en-US" sz="3600" dirty="0">
-                <a:solidFill>
-                  <a:schemeClr val="bg1"/>
-                </a:solidFill>
-              </a:rPr>
+            <a:r>
+              <a:rPr lang="en-US" dirty="0"/>
               <a:t>Blossoming meadow, flashing sea,</a:t>
             </a:r>
           </a:p>
           <a:p>
-            <a:pPr algn="ctr"/>
-            <a:r>
-              <a:rPr lang="en-US" sz="3600" dirty="0">
-                <a:solidFill>
-                  <a:schemeClr val="bg1"/>
-                </a:solidFill>
-              </a:rPr>
+            <a:r>
+              <a:rPr lang="en-US" dirty="0"/>
               <a:t>Chanting bird and flowing fountain</a:t>
             </a:r>
           </a:p>
           <a:p>
-            <a:pPr algn="ctr"/>
-            <a:r>
-              <a:rPr lang="en-US" sz="3600" dirty="0">
-                <a:solidFill>
-                  <a:schemeClr val="bg1"/>
-                </a:solidFill>
-              </a:rPr>
+            <a:r>
+              <a:rPr lang="en-US" dirty="0"/>
               <a:t>Call us to rejoice in Thee.</a:t>
             </a:r>
           </a:p>
@@ -3515,15 +3465,23 @@
           <a:bodyPr wrap="square" rtlCol="0" anchor="ctr">
             <a:spAutoFit/>
           </a:bodyPr>
-          <a:lstStyle/>
-          <a:p>
-            <a:pPr algn="ctr"/>
-            <a:r>
-              <a:rPr lang="en-US" sz="4800" dirty="0">
+          <a:lstStyle>
+            <a:defPPr>
+              <a:defRPr lang="en-US"/>
+            </a:defPPr>
+            <a:lvl1pPr algn="ctr">
+              <a:defRPr sz="3200" u="sng">
                 <a:solidFill>
                   <a:schemeClr val="bg1"/>
                 </a:solidFill>
-              </a:rPr>
+                <a:latin typeface="Assistant SemiBold" panose="00000700000000000000" pitchFamily="2" charset="-79"/>
+                <a:cs typeface="Assistant SemiBold" panose="00000700000000000000" pitchFamily="2" charset="-79"/>
+              </a:defRPr>
+            </a:lvl1pPr>
+          </a:lstStyle>
+          <a:p>
+            <a:r>
+              <a:rPr lang="en-US" dirty="0"/>
               <a:t>“Joyful, Joyful We Adore Thee”</a:t>
             </a:r>
           </a:p>
@@ -3537,8 +3495,8 @@
         </p:nvSpPr>
         <p:spPr>
           <a:xfrm>
-            <a:off x="0" y="282279"/>
-            <a:ext cx="12192000" cy="5078313"/>
+            <a:off x="0" y="791267"/>
+            <a:ext cx="12192000" cy="3075453"/>
           </a:xfrm>
           <a:prstGeom prst="rect">
             <a:avLst/>
@@ -3549,100 +3507,68 @@
           <a:bodyPr wrap="square" rtlCol="0">
             <a:spAutoFit/>
           </a:bodyPr>
-          <a:lstStyle/>
-          <a:p>
-            <a:pPr algn="ctr"/>
-            <a:r>
-              <a:rPr lang="en-US" sz="3600" dirty="0">
+          <a:lstStyle>
+            <a:defPPr>
+              <a:defRPr lang="en-US"/>
+            </a:defPPr>
+            <a:lvl1pPr algn="ctr">
+              <a:defRPr sz="2800" spc="50">
                 <a:solidFill>
                   <a:schemeClr val="bg1"/>
                 </a:solidFill>
-              </a:rPr>
+                <a:latin typeface="Assistant" panose="00000500000000000000" pitchFamily="2" charset="-79"/>
+                <a:cs typeface="Assistant" panose="00000500000000000000" pitchFamily="2" charset="-79"/>
+              </a:defRPr>
+            </a:lvl1pPr>
+          </a:lstStyle>
+          <a:p>
+            <a:r>
+              <a:rPr lang="en-US" dirty="0"/>
               <a:t>Thou art giving and forgiving,</a:t>
             </a:r>
           </a:p>
           <a:p>
-            <a:pPr algn="ctr"/>
-            <a:r>
-              <a:rPr lang="en-US" sz="3600" dirty="0">
-                <a:solidFill>
-                  <a:schemeClr val="bg1"/>
-                </a:solidFill>
-              </a:rPr>
+            <a:r>
+              <a:rPr lang="en-US" dirty="0"/>
               <a:t>Ever blessing, ever blest,</a:t>
             </a:r>
           </a:p>
           <a:p>
-            <a:pPr algn="ctr"/>
-            <a:r>
-              <a:rPr lang="en-US" sz="3600" dirty="0">
-                <a:solidFill>
-                  <a:schemeClr val="bg1"/>
-                </a:solidFill>
-              </a:rPr>
+            <a:r>
+              <a:rPr lang="en-US" dirty="0"/>
               <a:t>Wellspring of the joy of living,</a:t>
             </a:r>
           </a:p>
           <a:p>
-            <a:pPr algn="ctr"/>
-            <a:r>
-              <a:rPr lang="en-US" sz="3600" dirty="0">
-                <a:solidFill>
-                  <a:schemeClr val="bg1"/>
-                </a:solidFill>
-              </a:rPr>
+            <a:r>
+              <a:rPr lang="en-US" dirty="0"/>
               <a:t>Ocean-depth of happy rest!</a:t>
             </a:r>
           </a:p>
           <a:p>
-            <a:pPr algn="ctr"/>
-            <a:endParaRPr lang="en-US" sz="3600" dirty="0">
-              <a:solidFill>
-                <a:schemeClr val="bg1"/>
-              </a:solidFill>
-            </a:endParaRPr>
-          </a:p>
-          <a:p>
-            <a:pPr algn="ctr"/>
-            <a:r>
-              <a:rPr lang="en-US" sz="3600" dirty="0">
-                <a:solidFill>
-                  <a:schemeClr val="bg1"/>
-                </a:solidFill>
-              </a:rPr>
+            <a:endParaRPr lang="en-US" dirty="0"/>
+          </a:p>
+          <a:p>
+            <a:r>
+              <a:rPr lang="en-US" dirty="0"/>
               <a:t>Thou our Father, Christ our brother,</a:t>
             </a:r>
           </a:p>
           <a:p>
-            <a:pPr algn="ctr"/>
-            <a:r>
-              <a:rPr lang="en-US" sz="3600" dirty="0">
-                <a:solidFill>
-                  <a:schemeClr val="bg1"/>
-                </a:solidFill>
-              </a:rPr>
+            <a:r>
+              <a:rPr lang="en-US" dirty="0"/>
               <a:t>All who live in love are Thine;</a:t>
             </a:r>
           </a:p>
           <a:p>
-            <a:pPr algn="ctr"/>
-            <a:r>
-              <a:rPr lang="en-US" sz="3600" dirty="0">
-                <a:solidFill>
-                  <a:schemeClr val="bg1"/>
-                </a:solidFill>
-              </a:rPr>
+            <a:r>
+              <a:rPr lang="en-US" dirty="0"/>
               <a:t>Teach us how to love each other,</a:t>
             </a:r>
           </a:p>
           <a:p>
-            <a:pPr algn="ctr"/>
-            <a:r>
-              <a:rPr lang="en-US" sz="3600" dirty="0">
-                <a:solidFill>
-                  <a:schemeClr val="bg1"/>
-                </a:solidFill>
-              </a:rPr>
+            <a:r>
+              <a:rPr lang="en-US" dirty="0"/>
               <a:t>Lift us to the joy divine.</a:t>
             </a:r>
           </a:p>
@@ -3755,15 +3681,23 @@
           <a:bodyPr wrap="square" rtlCol="0" anchor="ctr">
             <a:spAutoFit/>
           </a:bodyPr>
-          <a:lstStyle/>
-          <a:p>
-            <a:pPr algn="ctr"/>
-            <a:r>
-              <a:rPr lang="en-US" sz="4800" dirty="0">
+          <a:lstStyle>
+            <a:defPPr>
+              <a:defRPr lang="en-US"/>
+            </a:defPPr>
+            <a:lvl1pPr algn="ctr">
+              <a:defRPr sz="3200" u="sng">
                 <a:solidFill>
                   <a:schemeClr val="bg1"/>
                 </a:solidFill>
-              </a:rPr>
+                <a:latin typeface="Assistant SemiBold" panose="00000700000000000000" pitchFamily="2" charset="-79"/>
+                <a:cs typeface="Assistant SemiBold" panose="00000700000000000000" pitchFamily="2" charset="-79"/>
+              </a:defRPr>
+            </a:lvl1pPr>
+          </a:lstStyle>
+          <a:p>
+            <a:r>
+              <a:rPr lang="en-US" dirty="0"/>
               <a:t>“Joyful, Joyful We Adore Thee”</a:t>
             </a:r>
           </a:p>
@@ -3777,8 +3711,8 @@
         </p:nvSpPr>
         <p:spPr>
           <a:xfrm>
-            <a:off x="0" y="282279"/>
-            <a:ext cx="12192000" cy="5078313"/>
+            <a:off x="0" y="791267"/>
+            <a:ext cx="12192000" cy="3075453"/>
           </a:xfrm>
           <a:prstGeom prst="rect">
             <a:avLst/>
@@ -3789,100 +3723,68 @@
           <a:bodyPr wrap="square" rtlCol="0">
             <a:spAutoFit/>
           </a:bodyPr>
-          <a:lstStyle/>
-          <a:p>
-            <a:pPr algn="ctr"/>
-            <a:r>
-              <a:rPr lang="en-US" sz="3600" dirty="0">
+          <a:lstStyle>
+            <a:defPPr>
+              <a:defRPr lang="en-US"/>
+            </a:defPPr>
+            <a:lvl1pPr algn="ctr">
+              <a:defRPr sz="2800" spc="50">
                 <a:solidFill>
                   <a:schemeClr val="bg1"/>
                 </a:solidFill>
-              </a:rPr>
+                <a:latin typeface="Assistant" panose="00000500000000000000" pitchFamily="2" charset="-79"/>
+                <a:cs typeface="Assistant" panose="00000500000000000000" pitchFamily="2" charset="-79"/>
+              </a:defRPr>
+            </a:lvl1pPr>
+          </a:lstStyle>
+          <a:p>
+            <a:r>
+              <a:rPr lang="en-US" dirty="0"/>
               <a:t>Mortals, join the mighty chorus</a:t>
             </a:r>
           </a:p>
           <a:p>
-            <a:pPr algn="ctr"/>
-            <a:r>
-              <a:rPr lang="en-US" sz="3600" dirty="0">
-                <a:solidFill>
-                  <a:schemeClr val="bg1"/>
-                </a:solidFill>
-              </a:rPr>
+            <a:r>
+              <a:rPr lang="en-US" dirty="0"/>
               <a:t>Which the morning stars began;</a:t>
             </a:r>
           </a:p>
           <a:p>
-            <a:pPr algn="ctr"/>
-            <a:r>
-              <a:rPr lang="en-US" sz="3600" dirty="0">
-                <a:solidFill>
-                  <a:schemeClr val="bg1"/>
-                </a:solidFill>
-              </a:rPr>
+            <a:r>
+              <a:rPr lang="en-US" dirty="0"/>
               <a:t>Father-love is reigning o’er us,</a:t>
             </a:r>
           </a:p>
           <a:p>
-            <a:pPr algn="ctr"/>
-            <a:r>
-              <a:rPr lang="en-US" sz="3600" dirty="0">
-                <a:solidFill>
-                  <a:schemeClr val="bg1"/>
-                </a:solidFill>
-              </a:rPr>
+            <a:r>
+              <a:rPr lang="en-US" dirty="0"/>
               <a:t>Brother-love binds man to man.</a:t>
             </a:r>
           </a:p>
           <a:p>
-            <a:pPr algn="ctr"/>
-            <a:endParaRPr lang="en-US" sz="3600" dirty="0">
-              <a:solidFill>
-                <a:schemeClr val="bg1"/>
-              </a:solidFill>
-            </a:endParaRPr>
-          </a:p>
-          <a:p>
-            <a:pPr algn="ctr"/>
-            <a:r>
-              <a:rPr lang="en-US" sz="3600" dirty="0">
-                <a:solidFill>
-                  <a:schemeClr val="bg1"/>
-                </a:solidFill>
-              </a:rPr>
+            <a:endParaRPr lang="en-US" dirty="0"/>
+          </a:p>
+          <a:p>
+            <a:r>
+              <a:rPr lang="en-US" dirty="0"/>
               <a:t>Ever singing, march we onward,</a:t>
             </a:r>
           </a:p>
           <a:p>
-            <a:pPr algn="ctr"/>
-            <a:r>
-              <a:rPr lang="en-US" sz="3600" dirty="0">
-                <a:solidFill>
-                  <a:schemeClr val="bg1"/>
-                </a:solidFill>
-              </a:rPr>
+            <a:r>
+              <a:rPr lang="en-US" dirty="0"/>
               <a:t>Victors in the midst of strife;</a:t>
             </a:r>
           </a:p>
           <a:p>
-            <a:pPr algn="ctr"/>
-            <a:r>
-              <a:rPr lang="en-US" sz="3600" dirty="0">
-                <a:solidFill>
-                  <a:schemeClr val="bg1"/>
-                </a:solidFill>
-              </a:rPr>
+            <a:r>
+              <a:rPr lang="en-US" dirty="0"/>
               <a:t>Joyful music lifts us sunward</a:t>
             </a:r>
           </a:p>
           <a:p>
-            <a:pPr algn="ctr"/>
-            <a:r>
-              <a:rPr lang="en-US" sz="3600" dirty="0">
-                <a:solidFill>
-                  <a:schemeClr val="bg1"/>
-                </a:solidFill>
-              </a:rPr>
+            <a:r>
+              <a:rPr lang="en-US" dirty="0"/>
               <a:t>In the triumph song of life.</a:t>
             </a:r>
           </a:p>
